--- a/covid analysis.pptx
+++ b/covid analysis.pptx
@@ -3466,7 +3466,7 @@
         <p:spPr bwMode="auto">
           <a:xfrm>
             <a:off x="873919" y="3862388"/>
-            <a:ext cx="5574506" cy="3171825"/>
+            <a:ext cx="5574506" cy="3100387"/>
           </a:xfrm>
           <a:prstGeom prst="rect">
             <a:avLst/>
@@ -3512,8 +3512,8 @@
         </p:blipFill>
         <p:spPr bwMode="auto">
           <a:xfrm>
-            <a:off x="6686550" y="4283583"/>
-            <a:ext cx="3829050" cy="2495550"/>
+            <a:off x="6772275" y="4342033"/>
+            <a:ext cx="3829050" cy="2515968"/>
           </a:xfrm>
           <a:prstGeom prst="rect">
             <a:avLst/>
@@ -3544,8 +3544,8 @@
         </p:nvSpPr>
         <p:spPr>
           <a:xfrm>
-            <a:off x="6686550" y="3862388"/>
-            <a:ext cx="5334000" cy="369332"/>
+            <a:off x="6696075" y="3695701"/>
+            <a:ext cx="5334000" cy="646331"/>
           </a:xfrm>
           <a:prstGeom prst="rect">
             <a:avLst/>
@@ -3560,7 +3560,11 @@
           <a:p>
             <a:r>
               <a:rPr lang="en-US" dirty="0"/>
-              <a:t>June month analysis of no of deaths, confirmed cases</a:t>
+              <a:t>June month analysis of no of deaths, confirmed cases in Delhi, Haryana, </a:t>
+            </a:r>
+            <a:r>
+              <a:rPr lang="en-US" dirty="0" err="1"/>
+              <a:t>Uttarpradesh</a:t>
             </a:r>
             <a:endParaRPr lang="en-IN" dirty="0"/>
           </a:p>
